--- a/MOTE/MOTE Poster.pptx
+++ b/MOTE/MOTE Poster.pptx
@@ -15,13 +15,13 @@
   <p:notesSz cx="6858000" cy="9144000"/>
   <p:embeddedFontLst>
     <p:embeddedFont>
-      <p:font typeface="Abril Fatface" panose="020B0604020202020204" charset="0"/>
+      <p:font typeface="Arial Black" panose="020B0A04020102020204" pitchFamily="34" charset="0"/>
       <p:regular r:id="rId5"/>
+      <p:bold r:id="rId6"/>
     </p:embeddedFont>
     <p:embeddedFont>
-      <p:font typeface="Arial Black" panose="020B0A04020102020204" pitchFamily="34" charset="0"/>
-      <p:regular r:id="rId6"/>
-      <p:bold r:id="rId7"/>
+      <p:font typeface="Abril Fatface" panose="020B0604020202020204" charset="0"/>
+      <p:regular r:id="rId7"/>
     </p:embeddedFont>
     <p:embeddedFont>
       <p:font typeface="Calibri" panose="020F0502020204030204" pitchFamily="34" charset="0"/>
@@ -260,6 +260,11 @@
       </a:defRPr>
     </a:lvl9pPr>
   </p:defaultTextStyle>
+  <p:extLst>
+    <p:ext uri="{EFAFB233-063F-42B5-8137-9DF3F51BA10A}">
+      <p15:sldGuideLst xmlns:p15="http://schemas.microsoft.com/office/powerpoint/2012/main"/>
+    </p:ext>
+  </p:extLst>
 </p:presentation>
 </file>
 
@@ -20527,7 +20532,7 @@
               <a:buNone/>
             </a:pPr>
             <a:r>
-              <a:rPr lang="en" sz="3200">
+              <a:rPr lang="en" sz="3200" dirty="0">
                 <a:latin typeface="Times New Roman"/>
                 <a:ea typeface="Times New Roman"/>
                 <a:cs typeface="Times New Roman"/>
@@ -20535,7 +20540,7 @@
               </a:rPr>
               <a:t>After the user inputs their data, the summary page provides everything the user needs to interpret the statistics. This includes a definition of the test, the appropriate effect size measure, confidence interval of the effect size, summary, and test statistics with interpretations of all these values.  </a:t>
             </a:r>
-            <a:endParaRPr sz="3200">
+            <a:endParaRPr sz="3200" dirty="0">
               <a:latin typeface="Times New Roman"/>
               <a:ea typeface="Times New Roman"/>
               <a:cs typeface="Times New Roman"/>
@@ -21582,7 +21587,7 @@
         </p:nvSpPr>
         <p:spPr>
           <a:xfrm>
-            <a:off x="15254888" y="29771163"/>
+            <a:off x="15309075" y="29560169"/>
             <a:ext cx="13410600" cy="2709112"/>
           </a:xfrm>
           <a:prstGeom prst="rect">
@@ -21765,7 +21770,7 @@
               <a:t>StatsTools</a:t>
             </a:r>
             <a:r>
-              <a:rPr lang="en-US" sz="3000">
+              <a:rPr lang="en-US" sz="3000" dirty="0">
                 <a:solidFill>
                   <a:schemeClr val="dk1"/>
                 </a:solidFill>
@@ -21777,7 +21782,7 @@
               <a:t> at: </a:t>
             </a:r>
             <a:r>
-              <a:rPr lang="en-US" sz="3000">
+              <a:rPr lang="en-US" sz="3000" dirty="0">
                 <a:solidFill>
                   <a:schemeClr val="dk1"/>
                 </a:solidFill>
@@ -21790,7 +21795,7 @@
               <a:t>http://statstools.com/</a:t>
             </a:r>
             <a:r>
-              <a:rPr lang="en-US" sz="3000">
+              <a:rPr lang="en-US" sz="3000" dirty="0">
                 <a:solidFill>
                   <a:schemeClr val="dk1"/>
                 </a:solidFill>

--- a/MOTE/MOTE Poster.pptx
+++ b/MOTE/MOTE Poster.pptx
@@ -19764,8 +19764,8 @@
         </p:nvSpPr>
         <p:spPr>
           <a:xfrm>
-            <a:off x="526350" y="3809875"/>
-            <a:ext cx="42823500" cy="5119200"/>
+            <a:off x="526350" y="3851439"/>
+            <a:ext cx="42823500" cy="5280894"/>
           </a:xfrm>
           <a:prstGeom prst="rect">
             <a:avLst/>

--- a/MOTE/MOTE Poster.pptx
+++ b/MOTE/MOTE Poster.pptx
@@ -15,20 +15,20 @@
   <p:notesSz cx="6858000" cy="9144000"/>
   <p:embeddedFontLst>
     <p:embeddedFont>
-      <p:font typeface="Arial Black" panose="020B0A04020102020204" pitchFamily="34" charset="0"/>
+      <p:font typeface="Arial Black" panose="020B0604020202020204" pitchFamily="34" charset="0"/>
       <p:regular r:id="rId5"/>
       <p:bold r:id="rId6"/>
     </p:embeddedFont>
     <p:embeddedFont>
-      <p:font typeface="Abril Fatface" panose="020B0604020202020204" charset="0"/>
+      <p:font typeface="Calibri" panose="020F0502020204030204" pitchFamily="34" charset="0"/>
       <p:regular r:id="rId7"/>
+      <p:bold r:id="rId8"/>
+      <p:italic r:id="rId9"/>
+      <p:boldItalic r:id="rId10"/>
     </p:embeddedFont>
     <p:embeddedFont>
-      <p:font typeface="Calibri" panose="020F0502020204030204" pitchFamily="34" charset="0"/>
-      <p:regular r:id="rId8"/>
-      <p:bold r:id="rId9"/>
-      <p:italic r:id="rId10"/>
-      <p:boldItalic r:id="rId11"/>
+      <p:font typeface="Abril Fatface" panose="02000503000000020003" pitchFamily="2" charset="77"/>
+      <p:regular r:id="rId11"/>
     </p:embeddedFont>
   </p:embeddedFontLst>
   <p:defaultTextStyle>
@@ -274,10 +274,6 @@
   <p:cmAuthor id="1" name="Amber Gillenwaters" initials="" lastIdx="7" clrIdx="1"/>
   <p:cmAuthor id="2" name="Addie Wikowsky" initials="" lastIdx="1" clrIdx="2"/>
 </p:cmAuthorLst>
-</file>
-
-<file path=ppt/revisionInfo.xml><?xml version="1.0" encoding="utf-8"?>
-<p1510:revInfo xmlns:a="http://schemas.openxmlformats.org/drawingml/2006/main" xmlns:r="http://schemas.openxmlformats.org/officeDocument/2006/relationships" xmlns:p1510="http://schemas.microsoft.com/office/powerpoint/2015/10/main"/>
 </file>
 
 <file path=ppt/notesMasters/notesMaster1.xml><?xml version="1.0" encoding="utf-8"?>
@@ -19141,24 +19137,24 @@
               <a:buNone/>
             </a:pPr>
             <a:r>
-              <a:rPr lang="en" sz="6800" dirty="0">
+              <a:rPr lang="en" sz="7000" b="1" dirty="0">
                 <a:solidFill>
                   <a:srgbClr val="3F3F3F"/>
                 </a:solidFill>
-                <a:latin typeface="Arial Black"/>
+                <a:latin typeface="Times New Roman" panose="02020603050405020304" pitchFamily="18" charset="0"/>
                 <a:ea typeface="Arial Black"/>
-                <a:cs typeface="Arial Black"/>
+                <a:cs typeface="Times New Roman" panose="02020603050405020304" pitchFamily="18" charset="0"/>
                 <a:sym typeface="Arial Black"/>
               </a:rPr>
               <a:t>Magnitude of the Effect: An Application for Effect Size Calculation </a:t>
             </a:r>
-            <a:endParaRPr sz="6800" dirty="0">
+            <a:endParaRPr sz="7000" b="1" dirty="0">
               <a:solidFill>
                 <a:srgbClr val="3F3F3F"/>
               </a:solidFill>
-              <a:latin typeface="Arial Black"/>
+              <a:latin typeface="Times New Roman" panose="02020603050405020304" pitchFamily="18" charset="0"/>
               <a:ea typeface="Arial Black"/>
-              <a:cs typeface="Arial Black"/>
+              <a:cs typeface="Times New Roman" panose="02020603050405020304" pitchFamily="18" charset="0"/>
               <a:sym typeface="Arial Black"/>
             </a:endParaRPr>
           </a:p>
@@ -19173,24 +19169,24 @@
               <a:buNone/>
             </a:pPr>
             <a:r>
-              <a:rPr lang="en" sz="6800" dirty="0">
+              <a:rPr lang="en" sz="7000" b="1" dirty="0">
                 <a:solidFill>
                   <a:srgbClr val="3F3F3F"/>
                 </a:solidFill>
-                <a:latin typeface="Arial Black"/>
+                <a:latin typeface="Times New Roman" panose="02020603050405020304" pitchFamily="18" charset="0"/>
                 <a:ea typeface="Arial Black"/>
-                <a:cs typeface="Arial Black"/>
+                <a:cs typeface="Times New Roman" panose="02020603050405020304" pitchFamily="18" charset="0"/>
                 <a:sym typeface="Arial Black"/>
               </a:rPr>
               <a:t>for Research and Statistics Classes</a:t>
             </a:r>
-            <a:endParaRPr sz="6800" b="0" i="0" u="none" strike="noStrike" cap="none" dirty="0">
+            <a:endParaRPr sz="7000" b="1" i="0" u="none" strike="noStrike" cap="none" dirty="0">
               <a:solidFill>
                 <a:srgbClr val="3F3F3F"/>
               </a:solidFill>
-              <a:latin typeface="Arial Black"/>
+              <a:latin typeface="Times New Roman" panose="02020603050405020304" pitchFamily="18" charset="0"/>
               <a:ea typeface="Arial Black"/>
-              <a:cs typeface="Arial Black"/>
+              <a:cs typeface="Times New Roman" panose="02020603050405020304" pitchFamily="18" charset="0"/>
               <a:sym typeface="Arial Black"/>
             </a:endParaRPr>
           </a:p>
@@ -19225,48 +19221,48 @@
               <a:buNone/>
             </a:pPr>
             <a:r>
-              <a:rPr lang="en" sz="4000" dirty="0">
+              <a:rPr lang="en" sz="4500" b="1" dirty="0">
                 <a:solidFill>
                   <a:srgbClr val="31859B"/>
                 </a:solidFill>
-                <a:latin typeface="Arial Black"/>
+                <a:latin typeface="Times New Roman" panose="02020603050405020304" pitchFamily="18" charset="0"/>
                 <a:ea typeface="Arial Black"/>
-                <a:cs typeface="Arial Black"/>
+                <a:cs typeface="Times New Roman" panose="02020603050405020304" pitchFamily="18" charset="0"/>
                 <a:sym typeface="Arial Black"/>
               </a:rPr>
               <a:t>Erin </a:t>
             </a:r>
             <a:r>
-              <a:rPr lang="en-US" sz="4000" dirty="0">
+              <a:rPr lang="en-US" sz="4500" b="1" dirty="0">
                 <a:solidFill>
                   <a:srgbClr val="31859B"/>
                 </a:solidFill>
-                <a:latin typeface="Arial Black"/>
+                <a:latin typeface="Times New Roman" panose="02020603050405020304" pitchFamily="18" charset="0"/>
                 <a:ea typeface="Arial Black"/>
-                <a:cs typeface="Arial Black"/>
+                <a:cs typeface="Times New Roman" panose="02020603050405020304" pitchFamily="18" charset="0"/>
                 <a:sym typeface="Arial Black"/>
               </a:rPr>
               <a:t>M.</a:t>
             </a:r>
             <a:r>
-              <a:rPr lang="en" sz="4000" dirty="0">
+              <a:rPr lang="en" sz="4500" b="1" dirty="0">
                 <a:solidFill>
                   <a:srgbClr val="31859B"/>
                 </a:solidFill>
-                <a:latin typeface="Arial Black"/>
+                <a:latin typeface="Times New Roman" panose="02020603050405020304" pitchFamily="18" charset="0"/>
                 <a:ea typeface="Arial Black"/>
-                <a:cs typeface="Arial Black"/>
+                <a:cs typeface="Times New Roman" panose="02020603050405020304" pitchFamily="18" charset="0"/>
                 <a:sym typeface="Arial Black"/>
               </a:rPr>
               <a:t> Buchanan, Ph.D., Amber Gillenwaters, William Padfield, Abigail Van Nuland, Addie Wikowsky</a:t>
             </a:r>
-            <a:endParaRPr sz="4000" dirty="0">
+            <a:endParaRPr sz="4500" b="1" dirty="0">
               <a:solidFill>
                 <a:srgbClr val="31859B"/>
               </a:solidFill>
-              <a:latin typeface="Arial Black"/>
+              <a:latin typeface="Times New Roman" panose="02020603050405020304" pitchFamily="18" charset="0"/>
               <a:ea typeface="Arial Black"/>
-              <a:cs typeface="Arial Black"/>
+              <a:cs typeface="Times New Roman" panose="02020603050405020304" pitchFamily="18" charset="0"/>
               <a:sym typeface="Arial Black"/>
             </a:endParaRPr>
           </a:p>
@@ -19281,24 +19277,24 @@
               <a:buNone/>
             </a:pPr>
             <a:r>
-              <a:rPr lang="en" sz="4000" dirty="0">
+              <a:rPr lang="en" sz="4500" b="1" dirty="0">
                 <a:solidFill>
                   <a:srgbClr val="31859B"/>
                 </a:solidFill>
-                <a:latin typeface="Arial Black"/>
+                <a:latin typeface="Times New Roman" panose="02020603050405020304" pitchFamily="18" charset="0"/>
                 <a:ea typeface="Arial Black"/>
-                <a:cs typeface="Arial Black"/>
+                <a:cs typeface="Times New Roman" panose="02020603050405020304" pitchFamily="18" charset="0"/>
                 <a:sym typeface="Arial Black"/>
               </a:rPr>
               <a:t>Missouri State University </a:t>
             </a:r>
-            <a:endParaRPr sz="4000" dirty="0">
+            <a:endParaRPr sz="4500" b="1" dirty="0">
               <a:solidFill>
                 <a:srgbClr val="31859B"/>
               </a:solidFill>
-              <a:latin typeface="Arial Black"/>
+              <a:latin typeface="Times New Roman" panose="02020603050405020304" pitchFamily="18" charset="0"/>
               <a:ea typeface="Arial Black"/>
-              <a:cs typeface="Arial Black"/>
+              <a:cs typeface="Times New Roman" panose="02020603050405020304" pitchFamily="18" charset="0"/>
               <a:sym typeface="Arial Black"/>
             </a:endParaRPr>
           </a:p>
@@ -21623,7 +21619,7 @@
                 <a:cs typeface="Times New Roman"/>
                 <a:sym typeface="Times New Roman"/>
               </a:rPr>
-              <a:t>For more information, please contact Dr. Erin Buchanan at </a:t>
+              <a:t>For more information, please contact Dr. Erin Buchanan at:  </a:t>
             </a:r>
             <a:r>
               <a:rPr lang="en" sz="3000" dirty="0">
